--- a/NeuronNetwork/Разработка нейронной сети для классификации дорожных знаков.pptx
+++ b/NeuronNetwork/Разработка нейронной сети для классификации дорожных знаков.pptx
@@ -6446,7 +6446,7 @@
         </p:spPr>
         <p:txBody>
           <a:bodyPr>
-            <a:normAutofit/>
+            <a:normAutofit fontScale="92500" lnSpcReduction="10000"/>
           </a:bodyPr>
           <a:lstStyle/>
           <a:p>
@@ -6487,17 +6487,46 @@
             </a:pPr>
             <a:r>
               <a:rPr lang="ru-RU" sz="2800" dirty="0" smtClean="0"/>
-              <a:t>Обучение:</a:t>
+              <a:t>Обучение</a:t>
+            </a:r>
+            <a:r>
+              <a:rPr lang="ru-RU" sz="2800" dirty="0" smtClean="0"/>
+              <a:t>:</a:t>
             </a:r>
           </a:p>
           <a:p>
             <a:pPr marL="0" indent="0">
               <a:buNone/>
             </a:pPr>
+            <a:endParaRPr lang="ru-RU" sz="2800" dirty="0"/>
+          </a:p>
+          <a:p>
+            <a:pPr marL="0" indent="0">
+              <a:buNone/>
+            </a:pPr>
+            <a:endParaRPr lang="ru-RU" sz="2800" dirty="0" smtClean="0"/>
+          </a:p>
+          <a:p>
+            <a:pPr marL="0" indent="0">
+              <a:buNone/>
+            </a:pPr>
+            <a:endParaRPr lang="ru-RU" sz="2800" dirty="0"/>
+          </a:p>
+          <a:p>
+            <a:pPr marL="0" indent="0" algn="ctr">
+              <a:buNone/>
+            </a:pPr>
             <a:r>
               <a:rPr lang="ru-RU" sz="2800" dirty="0" smtClean="0"/>
-              <a:t> </a:t>
-            </a:r>
+              <a:t>Обученная сеть допускает не более 10% ошибок</a:t>
+            </a:r>
+            <a:endParaRPr lang="ru-RU" sz="2800" dirty="0" smtClean="0"/>
+          </a:p>
+          <a:p>
+            <a:pPr marL="0" indent="0">
+              <a:buNone/>
+            </a:pPr>
+            <a:endParaRPr lang="ru-RU" sz="2800" dirty="0" smtClean="0"/>
           </a:p>
         </p:txBody>
       </p:sp>
@@ -6524,8 +6553,8 @@
         </p:blipFill>
         <p:spPr bwMode="auto">
           <a:xfrm>
-            <a:off x="2915816" y="2348880"/>
-            <a:ext cx="3324225" cy="1695450"/>
+            <a:off x="3203848" y="2276872"/>
+            <a:ext cx="2920354" cy="1489464"/>
           </a:xfrm>
           <a:prstGeom prst="rect">
             <a:avLst/>
@@ -6578,8 +6607,8 @@
         </p:blipFill>
         <p:spPr bwMode="auto">
           <a:xfrm>
-            <a:off x="3635896" y="4725144"/>
-            <a:ext cx="2200275" cy="1695450"/>
+            <a:off x="3727920" y="4293096"/>
+            <a:ext cx="2055868" cy="1584176"/>
           </a:xfrm>
           <a:prstGeom prst="rect">
             <a:avLst/>
@@ -7173,8 +7202,8 @@
           </a:ln>
         </p:spPr>
       </p:pic>
-      <mc:AlternateContent xmlns:mc="http://schemas.openxmlformats.org/markup-compatibility/2006">
-        <mc:Choice xmlns:a14="http://schemas.microsoft.com/office/drawing/2010/main" Requires="a14">
+      <mc:AlternateContent xmlns:mc="http://schemas.openxmlformats.org/markup-compatibility/2006" xmlns:a14="http://schemas.microsoft.com/office/drawing/2010/main">
+        <mc:Choice Requires="a14">
           <p:sp>
             <p:nvSpPr>
               <p:cNvPr id="6" name="TextBox 5"/>
@@ -7197,6 +7226,7 @@
               </a:bodyPr>
               <a:lstStyle/>
               <a:p>
+                <a:pPr/>
                 <a14:m>
                   <m:oMathPara xmlns:m="http://schemas.openxmlformats.org/officeDocument/2006/math">
                     <m:oMathParaPr>
@@ -7296,7 +7326,7 @@
             </p:txBody>
           </p:sp>
         </mc:Choice>
-        <mc:Fallback>
+        <mc:Fallback xmlns="">
           <p:sp>
             <p:nvSpPr>
               <p:cNvPr id="6" name="TextBox 5"/>
@@ -7411,8 +7441,8 @@
           </a:p>
         </p:txBody>
       </p:sp>
-      <mc:AlternateContent xmlns:mc="http://schemas.openxmlformats.org/markup-compatibility/2006">
-        <mc:Choice xmlns:a14="http://schemas.microsoft.com/office/drawing/2010/main" Requires="a14">
+      <mc:AlternateContent xmlns:mc="http://schemas.openxmlformats.org/markup-compatibility/2006" xmlns:a14="http://schemas.microsoft.com/office/drawing/2010/main">
+        <mc:Choice Requires="a14">
           <p:sp>
             <p:nvSpPr>
               <p:cNvPr id="3" name="Объект 2"/>
@@ -7471,40 +7501,54 @@
                         <m:rPr>
                           <m:sty m:val="p"/>
                         </m:rPr>
-                        <a:rPr lang="ru-RU" sz="2800"/>
+                        <a:rPr lang="ru-RU" sz="2800">
+                          <a:latin typeface="Cambria Math"/>
+                        </a:rPr>
                         <m:t>C</m:t>
                       </m:r>
                       <m:r>
-                        <a:rPr lang="ru-RU" sz="2800"/>
+                        <a:rPr lang="ru-RU" sz="2800">
+                          <a:latin typeface="Cambria Math"/>
+                        </a:rPr>
                         <m:t> = 0.229</m:t>
                       </m:r>
                       <m:r>
                         <m:rPr>
                           <m:sty m:val="p"/>
                         </m:rPr>
-                        <a:rPr lang="ru-RU" sz="2800"/>
+                        <a:rPr lang="ru-RU" sz="2800">
+                          <a:latin typeface="Cambria Math"/>
+                        </a:rPr>
                         <m:t>R</m:t>
                       </m:r>
                       <m:r>
-                        <a:rPr lang="ru-RU" sz="2800"/>
+                        <a:rPr lang="ru-RU" sz="2800">
+                          <a:latin typeface="Cambria Math"/>
+                        </a:rPr>
                         <m:t> + 0.587</m:t>
                       </m:r>
                       <m:r>
                         <m:rPr>
                           <m:sty m:val="p"/>
                         </m:rPr>
-                        <a:rPr lang="ru-RU" sz="2800"/>
+                        <a:rPr lang="ru-RU" sz="2800">
+                          <a:latin typeface="Cambria Math"/>
+                        </a:rPr>
                         <m:t>G</m:t>
                       </m:r>
                       <m:r>
-                        <a:rPr lang="ru-RU" sz="2800"/>
+                        <a:rPr lang="ru-RU" sz="2800">
+                          <a:latin typeface="Cambria Math"/>
+                        </a:rPr>
                         <m:t> + 0.114</m:t>
                       </m:r>
                       <m:r>
                         <m:rPr>
                           <m:sty m:val="p"/>
                         </m:rPr>
-                        <a:rPr lang="ru-RU" sz="2800"/>
+                        <a:rPr lang="ru-RU" sz="2800">
+                          <a:latin typeface="Cambria Math"/>
+                        </a:rPr>
                         <m:t>B</m:t>
                       </m:r>
                     </m:oMath>
@@ -7537,36 +7581,50 @@
                     </m:oMathParaPr>
                     <m:oMath xmlns:m="http://schemas.openxmlformats.org/officeDocument/2006/math">
                       <m:r>
-                        <a:rPr lang="ru-RU" sz="1900" i="1"/>
+                        <a:rPr lang="ru-RU" sz="1900" i="1">
+                          <a:latin typeface="Cambria Math"/>
+                        </a:rPr>
                         <m:t>𝑇</m:t>
                       </m:r>
                       <m:r>
-                        <a:rPr lang="ru-RU" sz="1900" i="1"/>
+                        <a:rPr lang="ru-RU" sz="1900" i="1">
+                          <a:latin typeface="Cambria Math"/>
+                        </a:rPr>
                         <m:t>=</m:t>
                       </m:r>
                       <m:f>
                         <m:fPr>
                           <m:ctrlPr>
-                            <a:rPr lang="ru-RU" sz="1900" i="1"/>
+                            <a:rPr lang="ru-RU" sz="1900" i="1">
+                              <a:latin typeface="Cambria Math"/>
+                            </a:rPr>
                           </m:ctrlPr>
                         </m:fPr>
                         <m:num>
                           <m:r>
-                            <a:rPr lang="ru-RU" sz="1900" i="1"/>
+                            <a:rPr lang="ru-RU" sz="1900" i="1">
+                              <a:latin typeface="Cambria Math"/>
+                            </a:rPr>
                             <m:t>1</m:t>
                           </m:r>
                         </m:num>
                         <m:den>
                           <m:r>
-                            <a:rPr lang="ru-RU" sz="1900" i="1"/>
+                            <a:rPr lang="ru-RU" sz="1900" i="1">
+                              <a:latin typeface="Cambria Math"/>
+                            </a:rPr>
                             <m:t>𝑤𝑖𝑑𝑡h</m:t>
                           </m:r>
                           <m:r>
-                            <a:rPr lang="ru-RU" sz="1900" i="1"/>
+                            <a:rPr lang="ru-RU" sz="1900" i="1">
+                              <a:latin typeface="Cambria Math"/>
+                            </a:rPr>
                             <m:t>×</m:t>
                           </m:r>
                           <m:r>
-                            <a:rPr lang="ru-RU" sz="1900" i="1"/>
+                            <a:rPr lang="ru-RU" sz="1900" i="1">
+                              <a:latin typeface="Cambria Math"/>
+                            </a:rPr>
                             <m:t>h𝑒𝑖𝑔h𝑡</m:t>
                           </m:r>
                         </m:den>
@@ -7576,18 +7634,24 @@
                           <m:chr m:val="∑"/>
                           <m:limLoc m:val="undOvr"/>
                           <m:ctrlPr>
-                            <a:rPr lang="ru-RU" sz="1900" i="1"/>
+                            <a:rPr lang="ru-RU" sz="1900" i="1">
+                              <a:latin typeface="Cambria Math"/>
+                            </a:rPr>
                           </m:ctrlPr>
                         </m:naryPr>
                         <m:sub>
                           <m:r>
-                            <a:rPr lang="ru-RU" sz="1900" i="1"/>
+                            <a:rPr lang="ru-RU" sz="1900" i="1">
+                              <a:latin typeface="Cambria Math"/>
+                            </a:rPr>
                             <m:t>𝑖</m:t>
                           </m:r>
                         </m:sub>
                         <m:sup>
                           <m:r>
-                            <a:rPr lang="ru-RU" sz="1900" i="1"/>
+                            <a:rPr lang="ru-RU" sz="1900" i="1">
+                              <a:latin typeface="Cambria Math"/>
+                            </a:rPr>
                             <m:t>𝑤𝑖𝑑𝑡h</m:t>
                           </m:r>
                         </m:sup>
@@ -7597,18 +7661,24 @@
                               <m:chr m:val="∑"/>
                               <m:limLoc m:val="undOvr"/>
                               <m:ctrlPr>
-                                <a:rPr lang="ru-RU" sz="1900" i="1"/>
+                                <a:rPr lang="ru-RU" sz="1900" i="1">
+                                  <a:latin typeface="Cambria Math"/>
+                                </a:rPr>
                               </m:ctrlPr>
                             </m:naryPr>
                             <m:sub>
                               <m:r>
-                                <a:rPr lang="ru-RU" sz="1900" i="1"/>
+                                <a:rPr lang="ru-RU" sz="1900" i="1">
+                                  <a:latin typeface="Cambria Math"/>
+                                </a:rPr>
                                 <m:t>𝑗</m:t>
                               </m:r>
                             </m:sub>
                             <m:sup>
                               <m:r>
-                                <a:rPr lang="ru-RU" sz="1900" i="1"/>
+                                <a:rPr lang="ru-RU" sz="1900" i="1">
+                                  <a:latin typeface="Cambria Math"/>
+                                </a:rPr>
                                 <m:t>h𝑒𝑖𝑔h𝑡</m:t>
                               </m:r>
                             </m:sup>
@@ -7616,18 +7686,24 @@
                               <m:sSub>
                                 <m:sSubPr>
                                   <m:ctrlPr>
-                                    <a:rPr lang="ru-RU" sz="1900" i="1"/>
+                                    <a:rPr lang="ru-RU" sz="1900" i="1">
+                                      <a:latin typeface="Cambria Math"/>
+                                    </a:rPr>
                                   </m:ctrlPr>
                                 </m:sSubPr>
                                 <m:e>
                                   <m:r>
-                                    <a:rPr lang="ru-RU" sz="1900" i="1"/>
+                                    <a:rPr lang="ru-RU" sz="1900" i="1">
+                                      <a:latin typeface="Cambria Math"/>
+                                    </a:rPr>
                                     <m:t>𝑐</m:t>
                                   </m:r>
                                 </m:e>
                                 <m:sub>
                                   <m:r>
-                                    <a:rPr lang="ru-RU" sz="1900" i="1"/>
+                                    <a:rPr lang="ru-RU" sz="1900" i="1">
+                                      <a:latin typeface="Cambria Math"/>
+                                    </a:rPr>
                                     <m:t>𝑗𝑖</m:t>
                                   </m:r>
                                 </m:sub>
@@ -7644,7 +7720,7 @@
             </p:txBody>
           </p:sp>
         </mc:Choice>
-        <mc:Fallback>
+        <mc:Fallback xmlns="">
           <p:sp>
             <p:nvSpPr>
               <p:cNvPr id="3" name="Объект 2"/>
@@ -7754,8 +7830,8 @@
           </a:p>
         </p:txBody>
       </p:sp>
-      <mc:AlternateContent xmlns:mc="http://schemas.openxmlformats.org/markup-compatibility/2006">
-        <mc:Choice xmlns:a14="http://schemas.microsoft.com/office/drawing/2010/main" Requires="a14">
+      <mc:AlternateContent xmlns:mc="http://schemas.openxmlformats.org/markup-compatibility/2006" xmlns:a14="http://schemas.microsoft.com/office/drawing/2010/main">
+        <mc:Choice Requires="a14">
           <p:sp>
             <p:nvSpPr>
               <p:cNvPr id="3" name="Объект 2"/>
@@ -7800,41 +7876,55 @@
                       <m:sSub>
                         <m:sSubPr>
                           <m:ctrlPr>
-                            <a:rPr lang="ru-RU" i="1"/>
+                            <a:rPr lang="ru-RU" i="1">
+                              <a:latin typeface="Cambria Math"/>
+                            </a:rPr>
                           </m:ctrlPr>
                         </m:sSubPr>
                         <m:e>
                           <m:r>
-                            <a:rPr lang="ru-RU" i="1"/>
+                            <a:rPr lang="ru-RU" i="1">
+                              <a:latin typeface="Cambria Math"/>
+                            </a:rPr>
                             <m:t>𝑣</m:t>
                           </m:r>
                         </m:e>
                         <m:sub>
                           <m:r>
-                            <a:rPr lang="ru-RU" i="1"/>
+                            <a:rPr lang="ru-RU" i="1">
+                              <a:latin typeface="Cambria Math"/>
+                            </a:rPr>
                             <m:t>𝑖</m:t>
                           </m:r>
                         </m:sub>
                       </m:sSub>
                       <m:r>
-                        <a:rPr lang="ru-RU" i="1"/>
+                        <a:rPr lang="ru-RU" i="1">
+                          <a:latin typeface="Cambria Math"/>
+                        </a:rPr>
                         <m:t>=</m:t>
                       </m:r>
                       <m:f>
                         <m:fPr>
                           <m:ctrlPr>
-                            <a:rPr lang="ru-RU" i="1"/>
+                            <a:rPr lang="ru-RU" i="1">
+                              <a:latin typeface="Cambria Math"/>
+                            </a:rPr>
                           </m:ctrlPr>
                         </m:fPr>
                         <m:num>
                           <m:r>
-                            <a:rPr lang="ru-RU" i="1"/>
+                            <a:rPr lang="ru-RU" i="1">
+                              <a:latin typeface="Cambria Math"/>
+                            </a:rPr>
                             <m:t>1</m:t>
                           </m:r>
                         </m:num>
                         <m:den>
                           <m:r>
-                            <a:rPr lang="ru-RU" i="1"/>
+                            <a:rPr lang="ru-RU" i="1">
+                              <a:latin typeface="Cambria Math"/>
+                            </a:rPr>
                             <m:t>h𝑒𝑖𝑔h𝑡</m:t>
                           </m:r>
                         </m:den>
@@ -7844,22 +7934,30 @@
                           <m:chr m:val="∑"/>
                           <m:limLoc m:val="undOvr"/>
                           <m:ctrlPr>
-                            <a:rPr lang="ru-RU" i="1"/>
+                            <a:rPr lang="ru-RU" i="1">
+                              <a:latin typeface="Cambria Math"/>
+                            </a:rPr>
                           </m:ctrlPr>
                         </m:naryPr>
                         <m:sub>
                           <m:r>
-                            <a:rPr lang="ru-RU" i="1"/>
+                            <a:rPr lang="ru-RU" i="1">
+                              <a:latin typeface="Cambria Math"/>
+                            </a:rPr>
                             <m:t>𝑗</m:t>
                           </m:r>
                           <m:r>
-                            <a:rPr lang="ru-RU" i="1"/>
+                            <a:rPr lang="ru-RU" i="1">
+                              <a:latin typeface="Cambria Math"/>
+                            </a:rPr>
                             <m:t>=1</m:t>
                           </m:r>
                         </m:sub>
                         <m:sup>
                           <m:r>
-                            <a:rPr lang="ru-RU" i="1"/>
+                            <a:rPr lang="ru-RU" i="1">
+                              <a:latin typeface="Cambria Math"/>
+                            </a:rPr>
                             <m:t>h𝑒𝑖𝑔h𝑡</m:t>
                           </m:r>
                         </m:sup>
@@ -7867,54 +7965,76 @@
                           <m:sSub>
                             <m:sSubPr>
                               <m:ctrlPr>
-                                <a:rPr lang="ru-RU" i="1"/>
+                                <a:rPr lang="ru-RU" i="1">
+                                  <a:latin typeface="Cambria Math"/>
+                                </a:rPr>
                               </m:ctrlPr>
                             </m:sSubPr>
                             <m:e>
                               <m:r>
-                                <a:rPr lang="ru-RU" i="1"/>
+                                <a:rPr lang="ru-RU" i="1">
+                                  <a:latin typeface="Cambria Math"/>
+                                </a:rPr>
                                 <m:t>(</m:t>
                               </m:r>
                               <m:r>
-                                <a:rPr lang="ru-RU" i="1"/>
+                                <a:rPr lang="ru-RU" i="1">
+                                  <a:latin typeface="Cambria Math"/>
+                                </a:rPr>
                                 <m:t>𝑐</m:t>
                               </m:r>
                             </m:e>
                             <m:sub>
                               <m:r>
-                                <a:rPr lang="ru-RU" i="1"/>
+                                <a:rPr lang="ru-RU" i="1">
+                                  <a:latin typeface="Cambria Math"/>
+                                </a:rPr>
                                 <m:t>𝑗𝑖</m:t>
                               </m:r>
                             </m:sub>
                           </m:sSub>
                           <m:r>
-                            <a:rPr lang="ru-RU" i="1"/>
+                            <a:rPr lang="ru-RU" i="1">
+                              <a:latin typeface="Cambria Math"/>
+                            </a:rPr>
                             <m:t>&gt;</m:t>
                           </m:r>
                           <m:r>
-                            <a:rPr lang="ru-RU" i="1"/>
+                            <a:rPr lang="ru-RU" i="1">
+                              <a:latin typeface="Cambria Math"/>
+                            </a:rPr>
                             <m:t>𝑇</m:t>
                           </m:r>
                           <m:r>
-                            <a:rPr lang="ru-RU" i="1"/>
+                            <a:rPr lang="ru-RU" i="1">
+                              <a:latin typeface="Cambria Math"/>
+                            </a:rPr>
                             <m:t>), </m:t>
                           </m:r>
                           <m:r>
-                            <a:rPr lang="ru-RU" i="1"/>
+                            <a:rPr lang="ru-RU" i="1">
+                              <a:latin typeface="Cambria Math"/>
+                            </a:rPr>
                             <m:t>𝑖</m:t>
                           </m:r>
                           <m:r>
-                            <a:rPr lang="ru-RU" i="1"/>
+                            <a:rPr lang="ru-RU" i="1">
+                              <a:latin typeface="Cambria Math"/>
+                            </a:rPr>
                             <m:t>=1</m:t>
                           </m:r>
                         </m:e>
                       </m:nary>
                       <m:r>
-                        <a:rPr lang="ru-RU" i="1"/>
+                        <a:rPr lang="ru-RU" i="1">
+                          <a:latin typeface="Cambria Math"/>
+                        </a:rPr>
                         <m:t>..</m:t>
                       </m:r>
                       <m:r>
-                        <a:rPr lang="ru-RU" i="1"/>
+                        <a:rPr lang="ru-RU" i="1">
+                          <a:latin typeface="Cambria Math"/>
+                        </a:rPr>
                         <m:t>𝑤𝑖𝑑𝑡h</m:t>
                       </m:r>
                     </m:oMath>
@@ -7935,41 +8055,55 @@
                       <m:sSub>
                         <m:sSubPr>
                           <m:ctrlPr>
-                            <a:rPr lang="ru-RU" i="1"/>
+                            <a:rPr lang="ru-RU" i="1">
+                              <a:latin typeface="Cambria Math"/>
+                            </a:rPr>
                           </m:ctrlPr>
                         </m:sSubPr>
                         <m:e>
                           <m:r>
-                            <a:rPr lang="ru-RU" i="1"/>
+                            <a:rPr lang="ru-RU" i="1">
+                              <a:latin typeface="Cambria Math"/>
+                            </a:rPr>
                             <m:t>h</m:t>
                           </m:r>
                         </m:e>
                         <m:sub>
                           <m:r>
-                            <a:rPr lang="ru-RU" i="1"/>
+                            <a:rPr lang="ru-RU" i="1">
+                              <a:latin typeface="Cambria Math"/>
+                            </a:rPr>
                             <m:t>𝑗</m:t>
                           </m:r>
                         </m:sub>
                       </m:sSub>
                       <m:r>
-                        <a:rPr lang="ru-RU" i="1"/>
+                        <a:rPr lang="ru-RU" i="1">
+                          <a:latin typeface="Cambria Math"/>
+                        </a:rPr>
                         <m:t>=</m:t>
                       </m:r>
                       <m:f>
                         <m:fPr>
                           <m:ctrlPr>
-                            <a:rPr lang="ru-RU" i="1"/>
+                            <a:rPr lang="ru-RU" i="1">
+                              <a:latin typeface="Cambria Math"/>
+                            </a:rPr>
                           </m:ctrlPr>
                         </m:fPr>
                         <m:num>
                           <m:r>
-                            <a:rPr lang="ru-RU" i="1"/>
+                            <a:rPr lang="ru-RU" i="1">
+                              <a:latin typeface="Cambria Math"/>
+                            </a:rPr>
                             <m:t>1</m:t>
                           </m:r>
                         </m:num>
                         <m:den>
                           <m:r>
-                            <a:rPr lang="ru-RU" i="1"/>
+                            <a:rPr lang="ru-RU" i="1">
+                              <a:latin typeface="Cambria Math"/>
+                            </a:rPr>
                             <m:t>𝑤𝑖𝑑𝑡h</m:t>
                           </m:r>
                         </m:den>
@@ -7979,22 +8113,30 @@
                           <m:chr m:val="∑"/>
                           <m:limLoc m:val="undOvr"/>
                           <m:ctrlPr>
-                            <a:rPr lang="ru-RU" i="1"/>
+                            <a:rPr lang="ru-RU" i="1">
+                              <a:latin typeface="Cambria Math"/>
+                            </a:rPr>
                           </m:ctrlPr>
                         </m:naryPr>
                         <m:sub>
                           <m:r>
-                            <a:rPr lang="ru-RU" i="1"/>
+                            <a:rPr lang="ru-RU" i="1">
+                              <a:latin typeface="Cambria Math"/>
+                            </a:rPr>
                             <m:t>𝑖</m:t>
                           </m:r>
                           <m:r>
-                            <a:rPr lang="ru-RU" i="1"/>
+                            <a:rPr lang="ru-RU" i="1">
+                              <a:latin typeface="Cambria Math"/>
+                            </a:rPr>
                             <m:t>=1</m:t>
                           </m:r>
                         </m:sub>
                         <m:sup>
                           <m:r>
-                            <a:rPr lang="ru-RU" i="1"/>
+                            <a:rPr lang="ru-RU" i="1">
+                              <a:latin typeface="Cambria Math"/>
+                            </a:rPr>
                             <m:t>𝑤𝑖𝑑𝑡h</m:t>
                           </m:r>
                         </m:sup>
@@ -8002,48 +8144,68 @@
                           <m:sSub>
                             <m:sSubPr>
                               <m:ctrlPr>
-                                <a:rPr lang="ru-RU" i="1"/>
+                                <a:rPr lang="ru-RU" i="1">
+                                  <a:latin typeface="Cambria Math"/>
+                                </a:rPr>
                               </m:ctrlPr>
                             </m:sSubPr>
                             <m:e>
                               <m:r>
-                                <a:rPr lang="ru-RU" i="1"/>
+                                <a:rPr lang="ru-RU" i="1">
+                                  <a:latin typeface="Cambria Math"/>
+                                </a:rPr>
                                 <m:t>(</m:t>
                               </m:r>
                               <m:r>
-                                <a:rPr lang="ru-RU" i="1"/>
+                                <a:rPr lang="ru-RU" i="1">
+                                  <a:latin typeface="Cambria Math"/>
+                                </a:rPr>
                                 <m:t>𝑐</m:t>
                               </m:r>
                             </m:e>
                             <m:sub>
                               <m:r>
-                                <a:rPr lang="ru-RU" i="1"/>
+                                <a:rPr lang="ru-RU" i="1">
+                                  <a:latin typeface="Cambria Math"/>
+                                </a:rPr>
                                 <m:t>𝑗𝑖</m:t>
                               </m:r>
                             </m:sub>
                           </m:sSub>
                           <m:r>
-                            <a:rPr lang="ru-RU" i="1"/>
+                            <a:rPr lang="ru-RU" i="1">
+                              <a:latin typeface="Cambria Math"/>
+                            </a:rPr>
                             <m:t>, </m:t>
                           </m:r>
                           <m:r>
-                            <a:rPr lang="ru-RU" i="1"/>
+                            <a:rPr lang="ru-RU" i="1">
+                              <a:latin typeface="Cambria Math"/>
+                            </a:rPr>
                             <m:t>𝑗</m:t>
                           </m:r>
                           <m:r>
-                            <a:rPr lang="ru-RU" i="1"/>
+                            <a:rPr lang="ru-RU" i="1">
+                              <a:latin typeface="Cambria Math"/>
+                            </a:rPr>
                             <m:t>&gt;</m:t>
                           </m:r>
                           <m:r>
-                            <a:rPr lang="ru-RU" i="1"/>
+                            <a:rPr lang="ru-RU" i="1">
+                              <a:latin typeface="Cambria Math"/>
+                            </a:rPr>
                             <m:t>𝑇</m:t>
                           </m:r>
                           <m:r>
-                            <a:rPr lang="ru-RU" i="1"/>
+                            <a:rPr lang="ru-RU" i="1">
+                              <a:latin typeface="Cambria Math"/>
+                            </a:rPr>
                             <m:t>)=1..</m:t>
                           </m:r>
                           <m:r>
-                            <a:rPr lang="ru-RU" i="1"/>
+                            <a:rPr lang="ru-RU" i="1">
+                              <a:latin typeface="Cambria Math"/>
+                            </a:rPr>
                             <m:t>h𝑒𝑖𝑔h𝑡</m:t>
                           </m:r>
                         </m:e>
@@ -8062,7 +8224,7 @@
             </p:txBody>
           </p:sp>
         </mc:Choice>
-        <mc:Fallback>
+        <mc:Fallback xmlns="">
           <p:sp>
             <p:nvSpPr>
               <p:cNvPr id="3" name="Объект 2"/>
@@ -8170,8 +8332,8 @@
           </a:p>
         </p:txBody>
       </p:sp>
-      <mc:AlternateContent xmlns:mc="http://schemas.openxmlformats.org/markup-compatibility/2006">
-        <mc:Choice xmlns:a14="http://schemas.microsoft.com/office/drawing/2010/main" Requires="a14">
+      <mc:AlternateContent xmlns:mc="http://schemas.openxmlformats.org/markup-compatibility/2006" xmlns:a14="http://schemas.microsoft.com/office/drawing/2010/main">
+        <mc:Choice Requires="a14">
           <p:sp>
             <p:nvSpPr>
               <p:cNvPr id="6" name="Прямоугольник 5"/>
@@ -8193,6 +8355,7 @@
               </a:bodyPr>
               <a:lstStyle/>
               <a:p>
+                <a:pPr/>
                 <a14:m>
                   <m:oMathPara xmlns:m="http://schemas.openxmlformats.org/officeDocument/2006/math">
                     <m:oMathParaPr>
@@ -8373,7 +8536,7 @@
             </p:txBody>
           </p:sp>
         </mc:Choice>
-        <mc:Fallback>
+        <mc:Fallback xmlns="">
           <p:sp>
             <p:nvSpPr>
               <p:cNvPr id="6" name="Прямоугольник 5"/>
